--- a/Documents/방구석낭만_ppt문민우.pptx
+++ b/Documents/방구석낭만_ppt문민우.pptx
@@ -4371,45 +4371,6 @@
       </p:sp>
       <p:grpSp>
         <p:nvGrpSpPr>
-          <p:cNvPr id="1002" name="그룹 1002"/>
-          <p:cNvGrpSpPr/>
-          <p:nvPr/>
-        </p:nvGrpSpPr>
-        <p:grpSpPr>
-          <a:xfrm>
-            <a:off x="576889" y="362075"/>
-            <a:ext cx="752757" cy="703828"/>
-            <a:chOff x="1410199" y="1581886"/>
-            <a:chExt cx="752757" cy="703828"/>
-          </a:xfrm>
-        </p:grpSpPr>
-        <p:pic>
-          <p:nvPicPr>
-            <p:cNvPr id="8" name="Object 7"/>
-            <p:cNvPicPr>
-              <a:picLocks noChangeAspect="1"/>
-            </p:cNvPicPr>
-            <p:nvPr/>
-          </p:nvPicPr>
-          <p:blipFill>
-            <a:blip r:embed="rId3" cstate="print"/>
-            <a:stretch>
-              <a:fillRect/>
-            </a:stretch>
-          </p:blipFill>
-          <p:spPr>
-            <a:xfrm rot="-10800000">
-              <a:off x="1410199" y="1581886"/>
-              <a:ext cx="752757" cy="703828"/>
-            </a:xfrm>
-            <a:prstGeom prst="rect">
-              <a:avLst/>
-            </a:prstGeom>
-          </p:spPr>
-        </p:pic>
-      </p:grpSp>
-      <p:grpSp>
-        <p:nvGrpSpPr>
           <p:cNvPr id="1003" name="그룹 1003"/>
           <p:cNvGrpSpPr/>
           <p:nvPr/>
@@ -4431,7 +4392,7 @@
             <p:nvPr/>
           </p:nvPicPr>
           <p:blipFill>
-            <a:blip r:embed="rId4" cstate="print"/>
+            <a:blip r:embed="rId3" cstate="print"/>
             <a:stretch>
               <a:fillRect/>
             </a:stretch>
@@ -4496,8 +4457,8 @@
         </p:nvSpPr>
         <p:spPr>
           <a:xfrm>
-            <a:off x="3429000" y="4383042"/>
-            <a:ext cx="9220200" cy="2616101"/>
+            <a:off x="3581400" y="4387326"/>
+            <a:ext cx="9220200" cy="3170099"/>
           </a:xfrm>
           <a:prstGeom prst="rect">
             <a:avLst/>
@@ -4534,6 +4495,10 @@
           </a:p>
           <a:p>
             <a:pPr algn="ctr"/>
+            <a:endParaRPr kumimoji="1" lang="en-US" altLang="ko-Kore-KR" sz="3600" dirty="0"/>
+          </a:p>
+          <a:p>
+            <a:pPr algn="ctr"/>
             <a:r>
               <a:rPr kumimoji="1" lang="ko-KR" altLang="en-US" sz="3600" dirty="0"/>
               <a:t>선정</a:t>
@@ -4546,6 +4511,42 @@
           </a:p>
         </p:txBody>
       </p:sp>
+      <p:pic>
+        <p:nvPicPr>
+          <p:cNvPr id="13" name="그림 12" descr="텍스트, 클립아트이(가) 표시된 사진&#10;&#10;자동 생성된 설명">
+            <a:extLst>
+              <a:ext uri="{FF2B5EF4-FFF2-40B4-BE49-F238E27FC236}">
+                <a16:creationId xmlns:a16="http://schemas.microsoft.com/office/drawing/2014/main" id="{DDCFC846-ED44-C343-B210-065FA87A27DA}"/>
+              </a:ext>
+            </a:extLst>
+          </p:cNvPr>
+          <p:cNvPicPr>
+            <a:picLocks noChangeAspect="1"/>
+          </p:cNvPicPr>
+          <p:nvPr/>
+        </p:nvPicPr>
+        <p:blipFill>
+          <a:blip r:embed="rId4">
+            <a:extLst>
+              <a:ext uri="{28A0092B-C50C-407E-A947-70E740481C1C}">
+                <a14:useLocalDpi xmlns:a14="http://schemas.microsoft.com/office/drawing/2010/main" val="0"/>
+              </a:ext>
+            </a:extLst>
+          </a:blip>
+          <a:stretch>
+            <a:fillRect/>
+          </a:stretch>
+        </p:blipFill>
+        <p:spPr>
+          <a:xfrm>
+            <a:off x="5977437" y="3450963"/>
+            <a:ext cx="4756150" cy="1885950"/>
+          </a:xfrm>
+          <a:prstGeom prst="rect">
+            <a:avLst/>
+          </a:prstGeom>
+        </p:spPr>
+      </p:pic>
     </p:spTree>
     <p:extLst>
       <p:ext uri="{BB962C8B-B14F-4D97-AF65-F5344CB8AC3E}">
@@ -4695,45 +4696,6 @@
       </p:sp>
       <p:grpSp>
         <p:nvGrpSpPr>
-          <p:cNvPr id="1002" name="그룹 1002"/>
-          <p:cNvGrpSpPr/>
-          <p:nvPr/>
-        </p:nvGrpSpPr>
-        <p:grpSpPr>
-          <a:xfrm>
-            <a:off x="576889" y="362075"/>
-            <a:ext cx="752757" cy="703828"/>
-            <a:chOff x="1410199" y="1581886"/>
-            <a:chExt cx="752757" cy="703828"/>
-          </a:xfrm>
-        </p:grpSpPr>
-        <p:pic>
-          <p:nvPicPr>
-            <p:cNvPr id="8" name="Object 7"/>
-            <p:cNvPicPr>
-              <a:picLocks noChangeAspect="1"/>
-            </p:cNvPicPr>
-            <p:nvPr/>
-          </p:nvPicPr>
-          <p:blipFill>
-            <a:blip r:embed="rId3" cstate="print"/>
-            <a:stretch>
-              <a:fillRect/>
-            </a:stretch>
-          </p:blipFill>
-          <p:spPr>
-            <a:xfrm rot="-10800000">
-              <a:off x="1410199" y="1581886"/>
-              <a:ext cx="752757" cy="703828"/>
-            </a:xfrm>
-            <a:prstGeom prst="rect">
-              <a:avLst/>
-            </a:prstGeom>
-          </p:spPr>
-        </p:pic>
-      </p:grpSp>
-      <p:grpSp>
-        <p:nvGrpSpPr>
           <p:cNvPr id="1003" name="그룹 1003"/>
           <p:cNvGrpSpPr/>
           <p:nvPr/>
@@ -4755,7 +4717,7 @@
             <p:nvPr/>
           </p:nvPicPr>
           <p:blipFill>
-            <a:blip r:embed="rId4" cstate="print"/>
+            <a:blip r:embed="rId3" cstate="print"/>
             <a:stretch>
               <a:fillRect/>
             </a:stretch>
@@ -5927,45 +5889,6 @@
       </p:sp>
       <p:grpSp>
         <p:nvGrpSpPr>
-          <p:cNvPr id="1002" name="그룹 1002"/>
-          <p:cNvGrpSpPr/>
-          <p:nvPr/>
-        </p:nvGrpSpPr>
-        <p:grpSpPr>
-          <a:xfrm>
-            <a:off x="576889" y="362075"/>
-            <a:ext cx="752757" cy="703828"/>
-            <a:chOff x="1410199" y="1581886"/>
-            <a:chExt cx="752757" cy="703828"/>
-          </a:xfrm>
-        </p:grpSpPr>
-        <p:pic>
-          <p:nvPicPr>
-            <p:cNvPr id="8" name="Object 7"/>
-            <p:cNvPicPr>
-              <a:picLocks noChangeAspect="1"/>
-            </p:cNvPicPr>
-            <p:nvPr/>
-          </p:nvPicPr>
-          <p:blipFill>
-            <a:blip r:embed="rId3" cstate="print"/>
-            <a:stretch>
-              <a:fillRect/>
-            </a:stretch>
-          </p:blipFill>
-          <p:spPr>
-            <a:xfrm rot="-10800000">
-              <a:off x="1410199" y="1581886"/>
-              <a:ext cx="752757" cy="703828"/>
-            </a:xfrm>
-            <a:prstGeom prst="rect">
-              <a:avLst/>
-            </a:prstGeom>
-          </p:spPr>
-        </p:pic>
-      </p:grpSp>
-      <p:grpSp>
-        <p:nvGrpSpPr>
           <p:cNvPr id="1003" name="그룹 1003"/>
           <p:cNvGrpSpPr/>
           <p:nvPr/>
@@ -5987,7 +5910,7 @@
             <p:nvPr/>
           </p:nvPicPr>
           <p:blipFill>
-            <a:blip r:embed="rId4" cstate="print"/>
+            <a:blip r:embed="rId3" cstate="print"/>
             <a:stretch>
               <a:fillRect/>
             </a:stretch>
@@ -7660,26 +7583,6 @@
           <a:lstStyle/>
           <a:p>
             <a:pPr algn="just"/>
-            <a:r>
-              <a:rPr lang="en-US" sz="20300" dirty="0">
-                <a:solidFill>
-                  <a:srgbClr val="595959"/>
-                </a:solidFill>
-                <a:latin typeface="Cafe24 Dangdanghae" pitchFamily="34" charset="0"/>
-                <a:cs typeface="Cafe24 Dangdanghae" pitchFamily="34" charset="0"/>
-              </a:rPr>
-              <a:t>0</a:t>
-            </a:r>
-            <a:r>
-              <a:rPr lang="en-US" altLang="ko-KR" sz="20300" dirty="0">
-                <a:solidFill>
-                  <a:srgbClr val="595959"/>
-                </a:solidFill>
-                <a:latin typeface="Cafe24 Dangdanghae" pitchFamily="34" charset="0"/>
-                <a:cs typeface="Cafe24 Dangdanghae" pitchFamily="34" charset="0"/>
-              </a:rPr>
-              <a:t>7</a:t>
-            </a:r>
             <a:endParaRPr lang="en-US" dirty="0"/>
           </a:p>
         </p:txBody>
@@ -7889,6 +7792,45 @@
           </a:p>
         </p:txBody>
       </p:sp>
+      <p:pic>
+        <p:nvPicPr>
+          <p:cNvPr id="4" name="그래픽 3" descr="Architecture 단색으로 채워진">
+            <a:extLst>
+              <a:ext uri="{FF2B5EF4-FFF2-40B4-BE49-F238E27FC236}">
+                <a16:creationId xmlns:a16="http://schemas.microsoft.com/office/drawing/2014/main" id="{491E969D-94E2-DE43-AF70-6F004E3CDB72}"/>
+              </a:ext>
+            </a:extLst>
+          </p:cNvPr>
+          <p:cNvPicPr>
+            <a:picLocks noChangeAspect="1"/>
+          </p:cNvPicPr>
+          <p:nvPr/>
+        </p:nvPicPr>
+        <p:blipFill>
+          <a:blip r:embed="rId5">
+            <a:extLst>
+              <a:ext uri="{28A0092B-C50C-407E-A947-70E740481C1C}">
+                <a14:useLocalDpi xmlns:a14="http://schemas.microsoft.com/office/drawing/2010/main" val="0"/>
+              </a:ext>
+              <a:ext uri="{96DAC541-7B7A-43D3-8B79-37D633B846F1}">
+                <asvg:svgBlip xmlns:asvg="http://schemas.microsoft.com/office/drawing/2016/SVG/main" r:embed="rId6"/>
+              </a:ext>
+            </a:extLst>
+          </a:blip>
+          <a:stretch>
+            <a:fillRect/>
+          </a:stretch>
+        </p:blipFill>
+        <p:spPr>
+          <a:xfrm>
+            <a:off x="1704380" y="2840089"/>
+            <a:ext cx="2562820" cy="2382823"/>
+          </a:xfrm>
+          <a:prstGeom prst="rect">
+            <a:avLst/>
+          </a:prstGeom>
+        </p:spPr>
+      </p:pic>
     </p:spTree>
   </p:cSld>
   <p:clrMapOvr>
@@ -8033,45 +7975,6 @@
       </p:sp>
       <p:grpSp>
         <p:nvGrpSpPr>
-          <p:cNvPr id="1002" name="그룹 1002"/>
-          <p:cNvGrpSpPr/>
-          <p:nvPr/>
-        </p:nvGrpSpPr>
-        <p:grpSpPr>
-          <a:xfrm>
-            <a:off x="576889" y="362075"/>
-            <a:ext cx="752757" cy="703828"/>
-            <a:chOff x="1410199" y="1581886"/>
-            <a:chExt cx="752757" cy="703828"/>
-          </a:xfrm>
-        </p:grpSpPr>
-        <p:pic>
-          <p:nvPicPr>
-            <p:cNvPr id="8" name="Object 7"/>
-            <p:cNvPicPr>
-              <a:picLocks noChangeAspect="1"/>
-            </p:cNvPicPr>
-            <p:nvPr/>
-          </p:nvPicPr>
-          <p:blipFill>
-            <a:blip r:embed="rId3" cstate="print"/>
-            <a:stretch>
-              <a:fillRect/>
-            </a:stretch>
-          </p:blipFill>
-          <p:spPr>
-            <a:xfrm rot="-10800000">
-              <a:off x="1410199" y="1581886"/>
-              <a:ext cx="752757" cy="703828"/>
-            </a:xfrm>
-            <a:prstGeom prst="rect">
-              <a:avLst/>
-            </a:prstGeom>
-          </p:spPr>
-        </p:pic>
-      </p:grpSp>
-      <p:grpSp>
-        <p:nvGrpSpPr>
           <p:cNvPr id="1003" name="그룹 1003"/>
           <p:cNvGrpSpPr/>
           <p:nvPr/>
@@ -8093,7 +7996,7 @@
             <p:nvPr/>
           </p:nvPicPr>
           <p:blipFill>
-            <a:blip r:embed="rId4" cstate="print"/>
+            <a:blip r:embed="rId3" cstate="print"/>
             <a:stretch>
               <a:fillRect/>
             </a:stretch>
@@ -8179,7 +8082,7 @@
             <p:nvPr/>
           </p:nvPicPr>
           <p:blipFill>
-            <a:blip r:embed="rId5" cstate="print"/>
+            <a:blip r:embed="rId4" cstate="print"/>
             <a:stretch>
               <a:fillRect/>
             </a:stretch>
@@ -8230,7 +8133,7 @@
             <p:nvPr/>
           </p:nvPicPr>
           <p:blipFill>
-            <a:blip r:embed="rId6" cstate="print"/>
+            <a:blip r:embed="rId5" cstate="print"/>
             <a:stretch>
               <a:fillRect/>
             </a:stretch>
@@ -8362,7 +8265,7 @@
             <p:nvPr/>
           </p:nvPicPr>
           <p:blipFill>
-            <a:blip r:embed="rId6" cstate="print"/>
+            <a:blip r:embed="rId5" cstate="print"/>
             <a:stretch>
               <a:fillRect/>
             </a:stretch>
@@ -8501,7 +8404,7 @@
             <p:nvPr/>
           </p:nvPicPr>
           <p:blipFill>
-            <a:blip r:embed="rId6" cstate="print"/>
+            <a:blip r:embed="rId5" cstate="print"/>
             <a:stretch>
               <a:fillRect/>
             </a:stretch>
@@ -8640,7 +8543,7 @@
             <p:nvPr/>
           </p:nvPicPr>
           <p:blipFill>
-            <a:blip r:embed="rId7" cstate="print"/>
+            <a:blip r:embed="rId6" cstate="print"/>
             <a:stretch>
               <a:fillRect/>
             </a:stretch>
@@ -8691,7 +8594,7 @@
             <p:nvPr/>
           </p:nvPicPr>
           <p:blipFill>
-            <a:blip r:embed="rId7" cstate="print"/>
+            <a:blip r:embed="rId6" cstate="print"/>
             <a:stretch>
               <a:fillRect/>
             </a:stretch>
@@ -8742,7 +8645,7 @@
             <p:nvPr/>
           </p:nvPicPr>
           <p:blipFill>
-            <a:blip r:embed="rId7" cstate="print"/>
+            <a:blip r:embed="rId6" cstate="print"/>
             <a:stretch>
               <a:fillRect/>
             </a:stretch>
@@ -8793,7 +8696,7 @@
             <p:nvPr/>
           </p:nvPicPr>
           <p:blipFill>
-            <a:blip r:embed="rId7" cstate="print"/>
+            <a:blip r:embed="rId6" cstate="print"/>
             <a:stretch>
               <a:fillRect/>
             </a:stretch>
@@ -8809,6 +8712,123 @@
           </p:spPr>
         </p:pic>
       </p:grpSp>
+      <p:pic>
+        <p:nvPicPr>
+          <p:cNvPr id="4" name="그래픽 3" descr="좋은 아이디어 윤곽선">
+            <a:extLst>
+              <a:ext uri="{FF2B5EF4-FFF2-40B4-BE49-F238E27FC236}">
+                <a16:creationId xmlns:a16="http://schemas.microsoft.com/office/drawing/2014/main" id="{BD931557-5C02-1E46-B80E-B23FCFAF6FA1}"/>
+              </a:ext>
+            </a:extLst>
+          </p:cNvPr>
+          <p:cNvPicPr>
+            <a:picLocks noChangeAspect="1"/>
+          </p:cNvPicPr>
+          <p:nvPr/>
+        </p:nvPicPr>
+        <p:blipFill>
+          <a:blip r:embed="rId7">
+            <a:extLst>
+              <a:ext uri="{28A0092B-C50C-407E-A947-70E740481C1C}">
+                <a14:useLocalDpi xmlns:a14="http://schemas.microsoft.com/office/drawing/2010/main" val="0"/>
+              </a:ext>
+              <a:ext uri="{96DAC541-7B7A-43D3-8B79-37D633B846F1}">
+                <asvg:svgBlip xmlns:asvg="http://schemas.microsoft.com/office/drawing/2016/SVG/main" r:embed="rId8"/>
+              </a:ext>
+            </a:extLst>
+          </a:blip>
+          <a:stretch>
+            <a:fillRect/>
+          </a:stretch>
+        </p:blipFill>
+        <p:spPr>
+          <a:xfrm>
+            <a:off x="4411131" y="6108934"/>
+            <a:ext cx="914400" cy="914400"/>
+          </a:xfrm>
+          <a:prstGeom prst="rect">
+            <a:avLst/>
+          </a:prstGeom>
+        </p:spPr>
+      </p:pic>
+      <p:pic>
+        <p:nvPicPr>
+          <p:cNvPr id="10" name="그래픽 9" descr="블로그 단색으로 채워진">
+            <a:extLst>
+              <a:ext uri="{FF2B5EF4-FFF2-40B4-BE49-F238E27FC236}">
+                <a16:creationId xmlns:a16="http://schemas.microsoft.com/office/drawing/2014/main" id="{1F918DCC-96B0-AA40-8DCB-39AACC2953C0}"/>
+              </a:ext>
+            </a:extLst>
+          </p:cNvPr>
+          <p:cNvPicPr>
+            <a:picLocks noChangeAspect="1"/>
+          </p:cNvPicPr>
+          <p:nvPr/>
+        </p:nvPicPr>
+        <p:blipFill>
+          <a:blip r:embed="rId9">
+            <a:extLst>
+              <a:ext uri="{28A0092B-C50C-407E-A947-70E740481C1C}">
+                <a14:useLocalDpi xmlns:a14="http://schemas.microsoft.com/office/drawing/2010/main" val="0"/>
+              </a:ext>
+              <a:ext uri="{96DAC541-7B7A-43D3-8B79-37D633B846F1}">
+                <asvg:svgBlip xmlns:asvg="http://schemas.microsoft.com/office/drawing/2016/SVG/main" r:embed="rId10"/>
+              </a:ext>
+            </a:extLst>
+          </a:blip>
+          <a:stretch>
+            <a:fillRect/>
+          </a:stretch>
+        </p:blipFill>
+        <p:spPr>
+          <a:xfrm>
+            <a:off x="9159065" y="6108934"/>
+            <a:ext cx="914400" cy="914400"/>
+          </a:xfrm>
+          <a:prstGeom prst="rect">
+            <a:avLst/>
+          </a:prstGeom>
+        </p:spPr>
+      </p:pic>
+      <p:pic>
+        <p:nvPicPr>
+          <p:cNvPr id="58" name="그래픽 57" descr="컴퍼스 윤곽선">
+            <a:extLst>
+              <a:ext uri="{FF2B5EF4-FFF2-40B4-BE49-F238E27FC236}">
+                <a16:creationId xmlns:a16="http://schemas.microsoft.com/office/drawing/2014/main" id="{F48F6A7E-D8C9-154D-BB91-F329C01A13CB}"/>
+              </a:ext>
+            </a:extLst>
+          </p:cNvPr>
+          <p:cNvPicPr>
+            <a:picLocks noChangeAspect="1"/>
+          </p:cNvPicPr>
+          <p:nvPr/>
+        </p:nvPicPr>
+        <p:blipFill>
+          <a:blip r:embed="rId11">
+            <a:extLst>
+              <a:ext uri="{28A0092B-C50C-407E-A947-70E740481C1C}">
+                <a14:useLocalDpi xmlns:a14="http://schemas.microsoft.com/office/drawing/2010/main" val="0"/>
+              </a:ext>
+              <a:ext uri="{96DAC541-7B7A-43D3-8B79-37D633B846F1}">
+                <asvg:svgBlip xmlns:asvg="http://schemas.microsoft.com/office/drawing/2016/SVG/main" r:embed="rId12"/>
+              </a:ext>
+            </a:extLst>
+          </a:blip>
+          <a:stretch>
+            <a:fillRect/>
+          </a:stretch>
+        </p:blipFill>
+        <p:spPr>
+          <a:xfrm>
+            <a:off x="13734589" y="6108934"/>
+            <a:ext cx="914400" cy="914400"/>
+          </a:xfrm>
+          <a:prstGeom prst="rect">
+            <a:avLst/>
+          </a:prstGeom>
+        </p:spPr>
+      </p:pic>
     </p:spTree>
     <p:extLst>
       <p:ext uri="{BB962C8B-B14F-4D97-AF65-F5344CB8AC3E}">
@@ -8949,45 +8969,6 @@
       </p:sp>
       <p:grpSp>
         <p:nvGrpSpPr>
-          <p:cNvPr id="1002" name="그룹 1002"/>
-          <p:cNvGrpSpPr/>
-          <p:nvPr/>
-        </p:nvGrpSpPr>
-        <p:grpSpPr>
-          <a:xfrm>
-            <a:off x="576889" y="362075"/>
-            <a:ext cx="752757" cy="703828"/>
-            <a:chOff x="1410199" y="1581886"/>
-            <a:chExt cx="752757" cy="703828"/>
-          </a:xfrm>
-        </p:grpSpPr>
-        <p:pic>
-          <p:nvPicPr>
-            <p:cNvPr id="8" name="Object 7"/>
-            <p:cNvPicPr>
-              <a:picLocks noChangeAspect="1"/>
-            </p:cNvPicPr>
-            <p:nvPr/>
-          </p:nvPicPr>
-          <p:blipFill>
-            <a:blip r:embed="rId3" cstate="print"/>
-            <a:stretch>
-              <a:fillRect/>
-            </a:stretch>
-          </p:blipFill>
-          <p:spPr>
-            <a:xfrm rot="-10800000">
-              <a:off x="1410199" y="1581886"/>
-              <a:ext cx="752757" cy="703828"/>
-            </a:xfrm>
-            <a:prstGeom prst="rect">
-              <a:avLst/>
-            </a:prstGeom>
-          </p:spPr>
-        </p:pic>
-      </p:grpSp>
-      <p:grpSp>
-        <p:nvGrpSpPr>
           <p:cNvPr id="1003" name="그룹 1003"/>
           <p:cNvGrpSpPr/>
           <p:nvPr/>
@@ -9009,7 +8990,7 @@
             <p:nvPr/>
           </p:nvPicPr>
           <p:blipFill>
-            <a:blip r:embed="rId4" cstate="print"/>
+            <a:blip r:embed="rId3" cstate="print"/>
             <a:stretch>
               <a:fillRect/>
             </a:stretch>
@@ -9060,159 +9041,6 @@
           </a:p>
         </p:txBody>
       </p:sp>
-      <p:grpSp>
-        <p:nvGrpSpPr>
-          <p:cNvPr id="36" name="그룹 1003">
-            <a:extLst>
-              <a:ext uri="{FF2B5EF4-FFF2-40B4-BE49-F238E27FC236}">
-                <a16:creationId xmlns:a16="http://schemas.microsoft.com/office/drawing/2014/main" id="{36528FDE-FBB4-B040-89BB-39BEB090D878}"/>
-              </a:ext>
-            </a:extLst>
-          </p:cNvPr>
-          <p:cNvGrpSpPr/>
-          <p:nvPr/>
-        </p:nvGrpSpPr>
-        <p:grpSpPr>
-          <a:xfrm>
-            <a:off x="6677428" y="4394993"/>
-            <a:ext cx="3137175" cy="3137175"/>
-            <a:chOff x="6421266" y="3394725"/>
-            <a:chExt cx="3137175" cy="3137175"/>
-          </a:xfrm>
-        </p:grpSpPr>
-        <p:pic>
-          <p:nvPicPr>
-            <p:cNvPr id="37" name="Object 10">
-              <a:extLst>
-                <a:ext uri="{FF2B5EF4-FFF2-40B4-BE49-F238E27FC236}">
-                  <a16:creationId xmlns:a16="http://schemas.microsoft.com/office/drawing/2014/main" id="{3EFA8C80-3721-E94E-8031-2F5389397C74}"/>
-                </a:ext>
-              </a:extLst>
-            </p:cNvPr>
-            <p:cNvPicPr>
-              <a:picLocks noChangeAspect="1"/>
-            </p:cNvPicPr>
-            <p:nvPr/>
-          </p:nvPicPr>
-          <p:blipFill>
-            <a:blip r:embed="rId5" cstate="print"/>
-            <a:stretch>
-              <a:fillRect/>
-            </a:stretch>
-          </p:blipFill>
-          <p:spPr>
-            <a:xfrm>
-              <a:off x="6421266" y="3394725"/>
-              <a:ext cx="3137175" cy="3137175"/>
-            </a:xfrm>
-            <a:prstGeom prst="rect">
-              <a:avLst/>
-            </a:prstGeom>
-          </p:spPr>
-        </p:pic>
-      </p:grpSp>
-      <p:grpSp>
-        <p:nvGrpSpPr>
-          <p:cNvPr id="38" name="그룹 1004">
-            <a:extLst>
-              <a:ext uri="{FF2B5EF4-FFF2-40B4-BE49-F238E27FC236}">
-                <a16:creationId xmlns:a16="http://schemas.microsoft.com/office/drawing/2014/main" id="{A963A8FB-E046-A149-B6C8-F1B1C98D5E19}"/>
-              </a:ext>
-            </a:extLst>
-          </p:cNvPr>
-          <p:cNvGrpSpPr/>
-          <p:nvPr/>
-        </p:nvGrpSpPr>
-        <p:grpSpPr>
-          <a:xfrm>
-            <a:off x="1863083" y="4394993"/>
-            <a:ext cx="3137175" cy="3137175"/>
-            <a:chOff x="5146846" y="5473203"/>
-            <a:chExt cx="3137175" cy="3137175"/>
-          </a:xfrm>
-        </p:grpSpPr>
-        <p:pic>
-          <p:nvPicPr>
-            <p:cNvPr id="39" name="Object 13">
-              <a:extLst>
-                <a:ext uri="{FF2B5EF4-FFF2-40B4-BE49-F238E27FC236}">
-                  <a16:creationId xmlns:a16="http://schemas.microsoft.com/office/drawing/2014/main" id="{E268D09D-D36E-D644-90F1-EDCD26558C7A}"/>
-                </a:ext>
-              </a:extLst>
-            </p:cNvPr>
-            <p:cNvPicPr>
-              <a:picLocks noChangeAspect="1"/>
-            </p:cNvPicPr>
-            <p:nvPr/>
-          </p:nvPicPr>
-          <p:blipFill>
-            <a:blip r:embed="rId5" cstate="print"/>
-            <a:stretch>
-              <a:fillRect/>
-            </a:stretch>
-          </p:blipFill>
-          <p:spPr>
-            <a:xfrm>
-              <a:off x="5146846" y="5473203"/>
-              <a:ext cx="3137175" cy="3137175"/>
-            </a:xfrm>
-            <a:prstGeom prst="rect">
-              <a:avLst/>
-            </a:prstGeom>
-          </p:spPr>
-        </p:pic>
-      </p:grpSp>
-      <p:grpSp>
-        <p:nvGrpSpPr>
-          <p:cNvPr id="40" name="그룹 1005">
-            <a:extLst>
-              <a:ext uri="{FF2B5EF4-FFF2-40B4-BE49-F238E27FC236}">
-                <a16:creationId xmlns:a16="http://schemas.microsoft.com/office/drawing/2014/main" id="{7A0ABE1F-64A6-7347-A426-943D58251080}"/>
-              </a:ext>
-            </a:extLst>
-          </p:cNvPr>
-          <p:cNvGrpSpPr/>
-          <p:nvPr/>
-        </p:nvGrpSpPr>
-        <p:grpSpPr>
-          <a:xfrm>
-            <a:off x="11491771" y="4320005"/>
-            <a:ext cx="3137175" cy="3137175"/>
-            <a:chOff x="7834117" y="5473203"/>
-            <a:chExt cx="3137175" cy="3137175"/>
-          </a:xfrm>
-        </p:grpSpPr>
-        <p:pic>
-          <p:nvPicPr>
-            <p:cNvPr id="41" name="Object 16">
-              <a:extLst>
-                <a:ext uri="{FF2B5EF4-FFF2-40B4-BE49-F238E27FC236}">
-                  <a16:creationId xmlns:a16="http://schemas.microsoft.com/office/drawing/2014/main" id="{4055F314-8D5A-934A-8B71-5F5DC027B014}"/>
-                </a:ext>
-              </a:extLst>
-            </p:cNvPr>
-            <p:cNvPicPr>
-              <a:picLocks noChangeAspect="1"/>
-            </p:cNvPicPr>
-            <p:nvPr/>
-          </p:nvPicPr>
-          <p:blipFill>
-            <a:blip r:embed="rId5" cstate="print"/>
-            <a:stretch>
-              <a:fillRect/>
-            </a:stretch>
-          </p:blipFill>
-          <p:spPr>
-            <a:xfrm>
-              <a:off x="7834117" y="5473203"/>
-              <a:ext cx="3137175" cy="3137175"/>
-            </a:xfrm>
-            <a:prstGeom prst="rect">
-              <a:avLst/>
-            </a:prstGeom>
-          </p:spPr>
-        </p:pic>
-      </p:grpSp>
       <p:sp>
         <p:nvSpPr>
           <p:cNvPr id="50" name="Object 31">
@@ -9227,7 +9055,7 @@
         </p:nvSpPr>
         <p:spPr>
           <a:xfrm>
-            <a:off x="7246246" y="5336913"/>
+            <a:off x="7473847" y="5455245"/>
             <a:ext cx="2037637" cy="1332459"/>
           </a:xfrm>
           <a:prstGeom prst="rect">
@@ -9274,7 +9102,7 @@
         </p:nvSpPr>
         <p:spPr>
           <a:xfrm>
-            <a:off x="2356387" y="5524500"/>
+            <a:off x="2290825" y="5850492"/>
             <a:ext cx="2037637" cy="1332459"/>
           </a:xfrm>
           <a:prstGeom prst="rect">
@@ -9395,6 +9223,162 @@
           </a:p>
         </p:txBody>
       </p:sp>
+      <p:pic>
+        <p:nvPicPr>
+          <p:cNvPr id="9" name="그래픽 8" descr="그룹 브레인스토밍 윤곽선">
+            <a:extLst>
+              <a:ext uri="{FF2B5EF4-FFF2-40B4-BE49-F238E27FC236}">
+                <a16:creationId xmlns:a16="http://schemas.microsoft.com/office/drawing/2014/main" id="{2CCB2E2F-3A66-A048-9B3B-00B6C26A8D4E}"/>
+              </a:ext>
+            </a:extLst>
+          </p:cNvPr>
+          <p:cNvPicPr>
+            <a:picLocks noChangeAspect="1"/>
+          </p:cNvPicPr>
+          <p:nvPr/>
+        </p:nvPicPr>
+        <p:blipFill>
+          <a:blip r:embed="rId4">
+            <a:extLst>
+              <a:ext uri="{28A0092B-C50C-407E-A947-70E740481C1C}">
+                <a14:useLocalDpi xmlns:a14="http://schemas.microsoft.com/office/drawing/2010/main" val="0"/>
+              </a:ext>
+              <a:ext uri="{96DAC541-7B7A-43D3-8B79-37D633B846F1}">
+                <asvg:svgBlip xmlns:asvg="http://schemas.microsoft.com/office/drawing/2016/SVG/main" r:embed="rId5"/>
+              </a:ext>
+            </a:extLst>
+          </a:blip>
+          <a:stretch>
+            <a:fillRect/>
+          </a:stretch>
+        </p:blipFill>
+        <p:spPr>
+          <a:xfrm>
+            <a:off x="1806618" y="3429931"/>
+            <a:ext cx="3137175" cy="2514599"/>
+          </a:xfrm>
+          <a:prstGeom prst="rect">
+            <a:avLst/>
+          </a:prstGeom>
+        </p:spPr>
+      </p:pic>
+      <p:pic>
+        <p:nvPicPr>
+          <p:cNvPr id="62" name="그래픽 61" descr="바이러스성 윤곽선">
+            <a:extLst>
+              <a:ext uri="{FF2B5EF4-FFF2-40B4-BE49-F238E27FC236}">
+                <a16:creationId xmlns:a16="http://schemas.microsoft.com/office/drawing/2014/main" id="{3A1BA82E-D13D-7A48-9100-37D0957B04C0}"/>
+              </a:ext>
+            </a:extLst>
+          </p:cNvPr>
+          <p:cNvPicPr>
+            <a:picLocks noChangeAspect="1"/>
+          </p:cNvPicPr>
+          <p:nvPr/>
+        </p:nvPicPr>
+        <p:blipFill>
+          <a:blip r:embed="rId6">
+            <a:extLst>
+              <a:ext uri="{28A0092B-C50C-407E-A947-70E740481C1C}">
+                <a14:useLocalDpi xmlns:a14="http://schemas.microsoft.com/office/drawing/2010/main" val="0"/>
+              </a:ext>
+              <a:ext uri="{96DAC541-7B7A-43D3-8B79-37D633B846F1}">
+                <asvg:svgBlip xmlns:asvg="http://schemas.microsoft.com/office/drawing/2016/SVG/main" r:embed="rId7"/>
+              </a:ext>
+            </a:extLst>
+          </a:blip>
+          <a:stretch>
+            <a:fillRect/>
+          </a:stretch>
+        </p:blipFill>
+        <p:spPr>
+          <a:xfrm>
+            <a:off x="7860162" y="3663427"/>
+            <a:ext cx="1503636" cy="1752899"/>
+          </a:xfrm>
+          <a:prstGeom prst="rect">
+            <a:avLst/>
+          </a:prstGeom>
+        </p:spPr>
+      </p:pic>
+      <p:pic>
+        <p:nvPicPr>
+          <p:cNvPr id="962" name="그래픽 961" descr="마티니 윤곽선">
+            <a:extLst>
+              <a:ext uri="{FF2B5EF4-FFF2-40B4-BE49-F238E27FC236}">
+                <a16:creationId xmlns:a16="http://schemas.microsoft.com/office/drawing/2014/main" id="{EFDB2380-8D73-4B41-820C-222B1D90E4FB}"/>
+              </a:ext>
+            </a:extLst>
+          </p:cNvPr>
+          <p:cNvPicPr>
+            <a:picLocks noChangeAspect="1"/>
+          </p:cNvPicPr>
+          <p:nvPr/>
+        </p:nvPicPr>
+        <p:blipFill>
+          <a:blip r:embed="rId8">
+            <a:extLst>
+              <a:ext uri="{28A0092B-C50C-407E-A947-70E740481C1C}">
+                <a14:useLocalDpi xmlns:a14="http://schemas.microsoft.com/office/drawing/2010/main" val="0"/>
+              </a:ext>
+              <a:ext uri="{96DAC541-7B7A-43D3-8B79-37D633B846F1}">
+                <asvg:svgBlip xmlns:asvg="http://schemas.microsoft.com/office/drawing/2016/SVG/main" r:embed="rId9"/>
+              </a:ext>
+            </a:extLst>
+          </a:blip>
+          <a:stretch>
+            <a:fillRect/>
+          </a:stretch>
+        </p:blipFill>
+        <p:spPr>
+          <a:xfrm>
+            <a:off x="7240380" y="4422513"/>
+            <a:ext cx="914400" cy="914400"/>
+          </a:xfrm>
+          <a:prstGeom prst="rect">
+            <a:avLst/>
+          </a:prstGeom>
+        </p:spPr>
+      </p:pic>
+      <p:pic>
+        <p:nvPicPr>
+          <p:cNvPr id="964" name="그래픽 963" descr="펼쳐진 책 윤곽선">
+            <a:extLst>
+              <a:ext uri="{FF2B5EF4-FFF2-40B4-BE49-F238E27FC236}">
+                <a16:creationId xmlns:a16="http://schemas.microsoft.com/office/drawing/2014/main" id="{FECAC7AD-3727-C940-BE49-E8C26F7B3BE8}"/>
+              </a:ext>
+            </a:extLst>
+          </p:cNvPr>
+          <p:cNvPicPr>
+            <a:picLocks noChangeAspect="1"/>
+          </p:cNvPicPr>
+          <p:nvPr/>
+        </p:nvPicPr>
+        <p:blipFill>
+          <a:blip r:embed="rId10">
+            <a:extLst>
+              <a:ext uri="{28A0092B-C50C-407E-A947-70E740481C1C}">
+                <a14:useLocalDpi xmlns:a14="http://schemas.microsoft.com/office/drawing/2010/main" val="0"/>
+              </a:ext>
+              <a:ext uri="{96DAC541-7B7A-43D3-8B79-37D633B846F1}">
+                <asvg:svgBlip xmlns:asvg="http://schemas.microsoft.com/office/drawing/2016/SVG/main" r:embed="rId11"/>
+              </a:ext>
+            </a:extLst>
+          </a:blip>
+          <a:stretch>
+            <a:fillRect/>
+          </a:stretch>
+        </p:blipFill>
+        <p:spPr>
+          <a:xfrm>
+            <a:off x="12280167" y="3777727"/>
+            <a:ext cx="1518514" cy="1752899"/>
+          </a:xfrm>
+          <a:prstGeom prst="rect">
+            <a:avLst/>
+          </a:prstGeom>
+        </p:spPr>
+      </p:pic>
     </p:spTree>
     <p:extLst>
       <p:ext uri="{BB962C8B-B14F-4D97-AF65-F5344CB8AC3E}">
@@ -9535,45 +9519,6 @@
       </p:sp>
       <p:grpSp>
         <p:nvGrpSpPr>
-          <p:cNvPr id="1002" name="그룹 1002"/>
-          <p:cNvGrpSpPr/>
-          <p:nvPr/>
-        </p:nvGrpSpPr>
-        <p:grpSpPr>
-          <a:xfrm>
-            <a:off x="576889" y="362075"/>
-            <a:ext cx="752757" cy="703828"/>
-            <a:chOff x="1410199" y="1581886"/>
-            <a:chExt cx="752757" cy="703828"/>
-          </a:xfrm>
-        </p:grpSpPr>
-        <p:pic>
-          <p:nvPicPr>
-            <p:cNvPr id="8" name="Object 7"/>
-            <p:cNvPicPr>
-              <a:picLocks noChangeAspect="1"/>
-            </p:cNvPicPr>
-            <p:nvPr/>
-          </p:nvPicPr>
-          <p:blipFill>
-            <a:blip r:embed="rId3" cstate="print"/>
-            <a:stretch>
-              <a:fillRect/>
-            </a:stretch>
-          </p:blipFill>
-          <p:spPr>
-            <a:xfrm rot="-10800000">
-              <a:off x="1410199" y="1581886"/>
-              <a:ext cx="752757" cy="703828"/>
-            </a:xfrm>
-            <a:prstGeom prst="rect">
-              <a:avLst/>
-            </a:prstGeom>
-          </p:spPr>
-        </p:pic>
-      </p:grpSp>
-      <p:grpSp>
-        <p:nvGrpSpPr>
           <p:cNvPr id="1003" name="그룹 1003"/>
           <p:cNvGrpSpPr/>
           <p:nvPr/>
@@ -9595,7 +9540,7 @@
             <p:nvPr/>
           </p:nvPicPr>
           <p:blipFill>
-            <a:blip r:embed="rId4" cstate="print"/>
+            <a:blip r:embed="rId3" cstate="print"/>
             <a:stretch>
               <a:fillRect/>
             </a:stretch>
@@ -11414,45 +11359,6 @@
       </p:sp>
       <p:grpSp>
         <p:nvGrpSpPr>
-          <p:cNvPr id="1002" name="그룹 1002"/>
-          <p:cNvGrpSpPr/>
-          <p:nvPr/>
-        </p:nvGrpSpPr>
-        <p:grpSpPr>
-          <a:xfrm>
-            <a:off x="576889" y="362075"/>
-            <a:ext cx="752757" cy="703828"/>
-            <a:chOff x="1410199" y="1581886"/>
-            <a:chExt cx="752757" cy="703828"/>
-          </a:xfrm>
-        </p:grpSpPr>
-        <p:pic>
-          <p:nvPicPr>
-            <p:cNvPr id="8" name="Object 7"/>
-            <p:cNvPicPr>
-              <a:picLocks noChangeAspect="1"/>
-            </p:cNvPicPr>
-            <p:nvPr/>
-          </p:nvPicPr>
-          <p:blipFill>
-            <a:blip r:embed="rId3" cstate="print"/>
-            <a:stretch>
-              <a:fillRect/>
-            </a:stretch>
-          </p:blipFill>
-          <p:spPr>
-            <a:xfrm rot="-10800000">
-              <a:off x="1410199" y="1581886"/>
-              <a:ext cx="752757" cy="703828"/>
-            </a:xfrm>
-            <a:prstGeom prst="rect">
-              <a:avLst/>
-            </a:prstGeom>
-          </p:spPr>
-        </p:pic>
-      </p:grpSp>
-      <p:grpSp>
-        <p:nvGrpSpPr>
           <p:cNvPr id="1003" name="그룹 1003"/>
           <p:cNvGrpSpPr/>
           <p:nvPr/>
@@ -11474,7 +11380,7 @@
             <p:nvPr/>
           </p:nvPicPr>
           <p:blipFill>
-            <a:blip r:embed="rId4" cstate="print"/>
+            <a:blip r:embed="rId3" cstate="print"/>
             <a:stretch>
               <a:fillRect/>
             </a:stretch>
@@ -11539,8 +11445,8 @@
         </p:nvSpPr>
         <p:spPr>
           <a:xfrm>
-            <a:off x="3429000" y="4383042"/>
-            <a:ext cx="9220200" cy="2862322"/>
+            <a:off x="3782082" y="4840242"/>
+            <a:ext cx="9220200" cy="3046988"/>
           </a:xfrm>
           <a:prstGeom prst="rect">
             <a:avLst/>
@@ -11555,22 +11461,6 @@
           <a:p>
             <a:pPr algn="ctr"/>
             <a:r>
-              <a:rPr kumimoji="1" lang="ko-Kore-KR" altLang="en-US" sz="3600" dirty="0"/>
-              <a:t>칵테일</a:t>
-            </a:r>
-            <a:r>
-              <a:rPr kumimoji="1" lang="ko-KR" altLang="en-US" sz="3600" dirty="0"/>
-              <a:t> 레시피 공유 커뮤니티 </a:t>
-            </a:r>
-            <a:r>
-              <a:rPr kumimoji="1" lang="ko-KR" altLang="en-US" sz="3600" dirty="0" err="1"/>
-              <a:t>어플</a:t>
-            </a:r>
-            <a:endParaRPr kumimoji="1" lang="en-US" altLang="ko-KR" sz="3600" dirty="0"/>
-          </a:p>
-          <a:p>
-            <a:pPr algn="ctr"/>
-            <a:r>
               <a:rPr kumimoji="1" lang="ko-KR" altLang="en-US" sz="3600" dirty="0"/>
               <a:t> </a:t>
             </a:r>
@@ -11579,11 +11469,29 @@
           <a:p>
             <a:pPr algn="ctr"/>
             <a:r>
-              <a:rPr kumimoji="1" lang="en-US" altLang="ko-Kore-KR" sz="3600" dirty="0" err="1"/>
+              <a:rPr kumimoji="1" lang="ko-KR" altLang="en-US" sz="3600" dirty="0"/>
+              <a:t>칵테일 레시피 공유 커뮤니티</a:t>
+            </a:r>
+            <a:endParaRPr kumimoji="1" lang="en-US" altLang="ko-KR" sz="3600" dirty="0"/>
+          </a:p>
+          <a:p>
+            <a:pPr algn="ctr"/>
+            <a:r>
+              <a:rPr kumimoji="1" lang="ko-KR" altLang="en-US" sz="3600" dirty="0"/>
+              <a:t> </a:t>
+            </a:r>
+            <a:r>
+              <a:rPr kumimoji="1" lang="en-US" altLang="ko-Kore-KR" sz="4800" dirty="0" err="1"/>
               <a:t>Cock’fit</a:t>
             </a:r>
             <a:r>
-              <a:rPr kumimoji="1" lang="en-US" altLang="ko-Kore-KR" sz="3600" dirty="0"/>
+              <a:rPr kumimoji="1" lang="en-US" altLang="ko-Kore-KR" sz="4800" dirty="0">
+                <a:solidFill>
+                  <a:schemeClr val="accent4">
+                    <a:lumMod val="75000"/>
+                  </a:schemeClr>
+                </a:solidFill>
+              </a:rPr>
               <a:t> </a:t>
             </a:r>
           </a:p>
@@ -11595,7 +11503,7 @@
             <a:pPr algn="ctr"/>
             <a:r>
               <a:rPr kumimoji="1" lang="ko-KR" altLang="en-US" sz="3600" dirty="0"/>
-              <a:t>선정</a:t>
+              <a:t> 선정</a:t>
             </a:r>
             <a:r>
               <a:rPr kumimoji="1" lang="en-US" altLang="ko-KR" sz="3600" dirty="0"/>
@@ -11605,6 +11513,84 @@
           </a:p>
         </p:txBody>
       </p:sp>
+      <p:pic>
+        <p:nvPicPr>
+          <p:cNvPr id="17" name="그래픽 16" descr="바이러스성 윤곽선">
+            <a:extLst>
+              <a:ext uri="{FF2B5EF4-FFF2-40B4-BE49-F238E27FC236}">
+                <a16:creationId xmlns:a16="http://schemas.microsoft.com/office/drawing/2014/main" id="{54C46D68-C028-6A42-BAEE-0D150960FAD3}"/>
+              </a:ext>
+            </a:extLst>
+          </p:cNvPr>
+          <p:cNvPicPr>
+            <a:picLocks noChangeAspect="1"/>
+          </p:cNvPicPr>
+          <p:nvPr/>
+        </p:nvPicPr>
+        <p:blipFill>
+          <a:blip r:embed="rId4">
+            <a:extLst>
+              <a:ext uri="{28A0092B-C50C-407E-A947-70E740481C1C}">
+                <a14:useLocalDpi xmlns:a14="http://schemas.microsoft.com/office/drawing/2010/main" val="0"/>
+              </a:ext>
+              <a:ext uri="{96DAC541-7B7A-43D3-8B79-37D633B846F1}">
+                <asvg:svgBlip xmlns:asvg="http://schemas.microsoft.com/office/drawing/2016/SVG/main" r:embed="rId5"/>
+              </a:ext>
+            </a:extLst>
+          </a:blip>
+          <a:stretch>
+            <a:fillRect/>
+          </a:stretch>
+        </p:blipFill>
+        <p:spPr>
+          <a:xfrm>
+            <a:off x="7640364" y="3162301"/>
+            <a:ext cx="1503636" cy="1752899"/>
+          </a:xfrm>
+          <a:prstGeom prst="rect">
+            <a:avLst/>
+          </a:prstGeom>
+        </p:spPr>
+      </p:pic>
+      <p:pic>
+        <p:nvPicPr>
+          <p:cNvPr id="18" name="그래픽 17" descr="마티니 윤곽선">
+            <a:extLst>
+              <a:ext uri="{FF2B5EF4-FFF2-40B4-BE49-F238E27FC236}">
+                <a16:creationId xmlns:a16="http://schemas.microsoft.com/office/drawing/2014/main" id="{AFBEE280-96CA-3E4E-B05B-CB882B333503}"/>
+              </a:ext>
+            </a:extLst>
+          </p:cNvPr>
+          <p:cNvPicPr>
+            <a:picLocks noChangeAspect="1"/>
+          </p:cNvPicPr>
+          <p:nvPr/>
+        </p:nvPicPr>
+        <p:blipFill>
+          <a:blip r:embed="rId6">
+            <a:extLst>
+              <a:ext uri="{28A0092B-C50C-407E-A947-70E740481C1C}">
+                <a14:useLocalDpi xmlns:a14="http://schemas.microsoft.com/office/drawing/2010/main" val="0"/>
+              </a:ext>
+              <a:ext uri="{96DAC541-7B7A-43D3-8B79-37D633B846F1}">
+                <asvg:svgBlip xmlns:asvg="http://schemas.microsoft.com/office/drawing/2016/SVG/main" r:embed="rId7"/>
+              </a:ext>
+            </a:extLst>
+          </a:blip>
+          <a:stretch>
+            <a:fillRect/>
+          </a:stretch>
+        </p:blipFill>
+        <p:spPr>
+          <a:xfrm>
+            <a:off x="7023334" y="3925842"/>
+            <a:ext cx="914400" cy="914400"/>
+          </a:xfrm>
+          <a:prstGeom prst="rect">
+            <a:avLst/>
+          </a:prstGeom>
+        </p:spPr>
+      </p:pic>
     </p:spTree>
     <p:extLst>
       <p:ext uri="{BB962C8B-B14F-4D97-AF65-F5344CB8AC3E}">
@@ -11745,45 +11731,6 @@
       </p:sp>
       <p:grpSp>
         <p:nvGrpSpPr>
-          <p:cNvPr id="1002" name="그룹 1002"/>
-          <p:cNvGrpSpPr/>
-          <p:nvPr/>
-        </p:nvGrpSpPr>
-        <p:grpSpPr>
-          <a:xfrm>
-            <a:off x="576889" y="362075"/>
-            <a:ext cx="752757" cy="703828"/>
-            <a:chOff x="1410199" y="1581886"/>
-            <a:chExt cx="752757" cy="703828"/>
-          </a:xfrm>
-        </p:grpSpPr>
-        <p:pic>
-          <p:nvPicPr>
-            <p:cNvPr id="8" name="Object 7"/>
-            <p:cNvPicPr>
-              <a:picLocks noChangeAspect="1"/>
-            </p:cNvPicPr>
-            <p:nvPr/>
-          </p:nvPicPr>
-          <p:blipFill>
-            <a:blip r:embed="rId3" cstate="print"/>
-            <a:stretch>
-              <a:fillRect/>
-            </a:stretch>
-          </p:blipFill>
-          <p:spPr>
-            <a:xfrm rot="-10800000">
-              <a:off x="1410199" y="1581886"/>
-              <a:ext cx="752757" cy="703828"/>
-            </a:xfrm>
-            <a:prstGeom prst="rect">
-              <a:avLst/>
-            </a:prstGeom>
-          </p:spPr>
-        </p:pic>
-      </p:grpSp>
-      <p:grpSp>
-        <p:nvGrpSpPr>
           <p:cNvPr id="1003" name="그룹 1003"/>
           <p:cNvGrpSpPr/>
           <p:nvPr/>
@@ -11805,7 +11752,7 @@
             <p:nvPr/>
           </p:nvPicPr>
           <p:blipFill>
-            <a:blip r:embed="rId4" cstate="print"/>
+            <a:blip r:embed="rId3" cstate="print"/>
             <a:stretch>
               <a:fillRect/>
             </a:stretch>
@@ -11871,7 +11818,7 @@
           <p:nvPr/>
         </p:nvPicPr>
         <p:blipFill>
-          <a:blip r:embed="rId5">
+          <a:blip r:embed="rId4">
             <a:extLst>
               <a:ext uri="{28A0092B-C50C-407E-A947-70E740481C1C}">
                 <a14:useLocalDpi xmlns:a14="http://schemas.microsoft.com/office/drawing/2010/main" val="0"/>
@@ -11907,7 +11854,7 @@
           <p:nvPr/>
         </p:nvPicPr>
         <p:blipFill>
-          <a:blip r:embed="rId6">
+          <a:blip r:embed="rId5">
             <a:extLst>
               <a:ext uri="{28A0092B-C50C-407E-A947-70E740481C1C}">
                 <a14:useLocalDpi xmlns:a14="http://schemas.microsoft.com/office/drawing/2010/main" val="0"/>
@@ -11943,7 +11890,7 @@
           <p:nvPr/>
         </p:nvPicPr>
         <p:blipFill>
-          <a:blip r:embed="rId7">
+          <a:blip r:embed="rId6">
             <a:extLst>
               <a:ext uri="{28A0092B-C50C-407E-A947-70E740481C1C}">
                 <a14:useLocalDpi xmlns:a14="http://schemas.microsoft.com/office/drawing/2010/main" val="0"/>
@@ -12152,45 +12099,6 @@
       </p:sp>
       <p:grpSp>
         <p:nvGrpSpPr>
-          <p:cNvPr id="1002" name="그룹 1002"/>
-          <p:cNvGrpSpPr/>
-          <p:nvPr/>
-        </p:nvGrpSpPr>
-        <p:grpSpPr>
-          <a:xfrm>
-            <a:off x="576889" y="362075"/>
-            <a:ext cx="752757" cy="703828"/>
-            <a:chOff x="1410199" y="1581886"/>
-            <a:chExt cx="752757" cy="703828"/>
-          </a:xfrm>
-        </p:grpSpPr>
-        <p:pic>
-          <p:nvPicPr>
-            <p:cNvPr id="8" name="Object 7"/>
-            <p:cNvPicPr>
-              <a:picLocks noChangeAspect="1"/>
-            </p:cNvPicPr>
-            <p:nvPr/>
-          </p:nvPicPr>
-          <p:blipFill>
-            <a:blip r:embed="rId3" cstate="print"/>
-            <a:stretch>
-              <a:fillRect/>
-            </a:stretch>
-          </p:blipFill>
-          <p:spPr>
-            <a:xfrm rot="-10800000">
-              <a:off x="1410199" y="1581886"/>
-              <a:ext cx="752757" cy="703828"/>
-            </a:xfrm>
-            <a:prstGeom prst="rect">
-              <a:avLst/>
-            </a:prstGeom>
-          </p:spPr>
-        </p:pic>
-      </p:grpSp>
-      <p:grpSp>
-        <p:nvGrpSpPr>
           <p:cNvPr id="1003" name="그룹 1003"/>
           <p:cNvGrpSpPr/>
           <p:nvPr/>
@@ -12212,7 +12120,7 @@
             <p:nvPr/>
           </p:nvPicPr>
           <p:blipFill>
-            <a:blip r:embed="rId4" cstate="print"/>
+            <a:blip r:embed="rId3" cstate="print"/>
             <a:stretch>
               <a:fillRect/>
             </a:stretch>
@@ -12298,7 +12206,7 @@
             <p:nvPr/>
           </p:nvPicPr>
           <p:blipFill>
-            <a:blip r:embed="rId5" cstate="print"/>
+            <a:blip r:embed="rId4" cstate="print"/>
             <a:stretch>
               <a:fillRect/>
             </a:stretch>
@@ -12349,7 +12257,7 @@
             <p:nvPr/>
           </p:nvPicPr>
           <p:blipFill>
-            <a:blip r:embed="rId5" cstate="print"/>
+            <a:blip r:embed="rId4" cstate="print"/>
             <a:stretch>
               <a:fillRect/>
             </a:stretch>
@@ -12400,7 +12308,7 @@
             <p:nvPr/>
           </p:nvPicPr>
           <p:blipFill>
-            <a:blip r:embed="rId5" cstate="print"/>
+            <a:blip r:embed="rId4" cstate="print"/>
             <a:stretch>
               <a:fillRect/>
             </a:stretch>
@@ -12451,7 +12359,7 @@
             <p:nvPr/>
           </p:nvPicPr>
           <p:blipFill>
-            <a:blip r:embed="rId6" cstate="print"/>
+            <a:blip r:embed="rId5" cstate="print"/>
             <a:stretch>
               <a:fillRect/>
             </a:stretch>
@@ -12502,7 +12410,7 @@
             <p:nvPr/>
           </p:nvPicPr>
           <p:blipFill>
-            <a:blip r:embed="rId7" cstate="print"/>
+            <a:blip r:embed="rId6" cstate="print"/>
             <a:stretch>
               <a:fillRect/>
             </a:stretch>
@@ -12553,7 +12461,7 @@
             <p:nvPr/>
           </p:nvPicPr>
           <p:blipFill>
-            <a:blip r:embed="rId8" cstate="print"/>
+            <a:blip r:embed="rId7" cstate="print"/>
             <a:stretch>
               <a:fillRect/>
             </a:stretch>
@@ -13012,45 +12920,6 @@
       </p:sp>
       <p:grpSp>
         <p:nvGrpSpPr>
-          <p:cNvPr id="1002" name="그룹 1002"/>
-          <p:cNvGrpSpPr/>
-          <p:nvPr/>
-        </p:nvGrpSpPr>
-        <p:grpSpPr>
-          <a:xfrm>
-            <a:off x="576889" y="362075"/>
-            <a:ext cx="752757" cy="703828"/>
-            <a:chOff x="1410199" y="1581886"/>
-            <a:chExt cx="752757" cy="703828"/>
-          </a:xfrm>
-        </p:grpSpPr>
-        <p:pic>
-          <p:nvPicPr>
-            <p:cNvPr id="8" name="Object 7"/>
-            <p:cNvPicPr>
-              <a:picLocks noChangeAspect="1"/>
-            </p:cNvPicPr>
-            <p:nvPr/>
-          </p:nvPicPr>
-          <p:blipFill>
-            <a:blip r:embed="rId3" cstate="print"/>
-            <a:stretch>
-              <a:fillRect/>
-            </a:stretch>
-          </p:blipFill>
-          <p:spPr>
-            <a:xfrm rot="-10800000">
-              <a:off x="1410199" y="1581886"/>
-              <a:ext cx="752757" cy="703828"/>
-            </a:xfrm>
-            <a:prstGeom prst="rect">
-              <a:avLst/>
-            </a:prstGeom>
-          </p:spPr>
-        </p:pic>
-      </p:grpSp>
-      <p:grpSp>
-        <p:nvGrpSpPr>
           <p:cNvPr id="1003" name="그룹 1003"/>
           <p:cNvGrpSpPr/>
           <p:nvPr/>
@@ -13072,7 +12941,7 @@
             <p:nvPr/>
           </p:nvPicPr>
           <p:blipFill>
-            <a:blip r:embed="rId4" cstate="print"/>
+            <a:blip r:embed="rId3" cstate="print"/>
             <a:stretch>
               <a:fillRect/>
             </a:stretch>
